--- a/CassavaPedigree/PresentationMaterials/ZacherlBTIPoster.pptx
+++ b/CassavaPedigree/PresentationMaterials/ZacherlBTIPoster.pptx
@@ -2582,7 +2582,7 @@
           <a:p>
             <a:fld id="{98AB9E54-AE95-48F0-848C-9515DD17F9CB}" type="datetimeFigureOut">
               <a:rPr lang="en-US" smtClean="0"/>
-              <a:t>9/24/2017</a:t>
+              <a:t>3/2/2018</a:t>
             </a:fld>
             <a:endParaRPr lang="en-US"/>
           </a:p>
@@ -3031,7 +3031,7 @@
           <a:p>
             <a:fld id="{2937786B-23F2-4DBF-B24A-99AEF4E177C1}" type="datetimeFigureOut">
               <a:rPr lang="en-US" smtClean="0"/>
-              <a:t>9/24/2017</a:t>
+              <a:t>3/2/2018</a:t>
             </a:fld>
             <a:endParaRPr lang="en-US"/>
           </a:p>
@@ -3201,7 +3201,7 @@
           <a:p>
             <a:fld id="{2937786B-23F2-4DBF-B24A-99AEF4E177C1}" type="datetimeFigureOut">
               <a:rPr lang="en-US" smtClean="0"/>
-              <a:t>9/24/2017</a:t>
+              <a:t>3/2/2018</a:t>
             </a:fld>
             <a:endParaRPr lang="en-US"/>
           </a:p>
@@ -3381,7 +3381,7 @@
           <a:p>
             <a:fld id="{2937786B-23F2-4DBF-B24A-99AEF4E177C1}" type="datetimeFigureOut">
               <a:rPr lang="en-US" smtClean="0"/>
-              <a:t>9/24/2017</a:t>
+              <a:t>3/2/2018</a:t>
             </a:fld>
             <a:endParaRPr lang="en-US"/>
           </a:p>
@@ -3551,7 +3551,7 @@
           <a:p>
             <a:fld id="{2937786B-23F2-4DBF-B24A-99AEF4E177C1}" type="datetimeFigureOut">
               <a:rPr lang="en-US" smtClean="0"/>
-              <a:t>9/24/2017</a:t>
+              <a:t>3/2/2018</a:t>
             </a:fld>
             <a:endParaRPr lang="en-US"/>
           </a:p>
@@ -3797,7 +3797,7 @@
           <a:p>
             <a:fld id="{2937786B-23F2-4DBF-B24A-99AEF4E177C1}" type="datetimeFigureOut">
               <a:rPr lang="en-US" smtClean="0"/>
-              <a:t>9/24/2017</a:t>
+              <a:t>3/2/2018</a:t>
             </a:fld>
             <a:endParaRPr lang="en-US"/>
           </a:p>
@@ -4085,7 +4085,7 @@
           <a:p>
             <a:fld id="{2937786B-23F2-4DBF-B24A-99AEF4E177C1}" type="datetimeFigureOut">
               <a:rPr lang="en-US" smtClean="0"/>
-              <a:t>9/24/2017</a:t>
+              <a:t>3/2/2018</a:t>
             </a:fld>
             <a:endParaRPr lang="en-US"/>
           </a:p>
@@ -4507,7 +4507,7 @@
           <a:p>
             <a:fld id="{2937786B-23F2-4DBF-B24A-99AEF4E177C1}" type="datetimeFigureOut">
               <a:rPr lang="en-US" smtClean="0"/>
-              <a:t>9/24/2017</a:t>
+              <a:t>3/2/2018</a:t>
             </a:fld>
             <a:endParaRPr lang="en-US"/>
           </a:p>
@@ -4625,7 +4625,7 @@
           <a:p>
             <a:fld id="{2937786B-23F2-4DBF-B24A-99AEF4E177C1}" type="datetimeFigureOut">
               <a:rPr lang="en-US" smtClean="0"/>
-              <a:t>9/24/2017</a:t>
+              <a:t>3/2/2018</a:t>
             </a:fld>
             <a:endParaRPr lang="en-US"/>
           </a:p>
@@ -4720,7 +4720,7 @@
           <a:p>
             <a:fld id="{2937786B-23F2-4DBF-B24A-99AEF4E177C1}" type="datetimeFigureOut">
               <a:rPr lang="en-US" smtClean="0"/>
-              <a:t>9/24/2017</a:t>
+              <a:t>3/2/2018</a:t>
             </a:fld>
             <a:endParaRPr lang="en-US"/>
           </a:p>
@@ -4997,7 +4997,7 @@
           <a:p>
             <a:fld id="{2937786B-23F2-4DBF-B24A-99AEF4E177C1}" type="datetimeFigureOut">
               <a:rPr lang="en-US" smtClean="0"/>
-              <a:t>9/24/2017</a:t>
+              <a:t>3/2/2018</a:t>
             </a:fld>
             <a:endParaRPr lang="en-US"/>
           </a:p>
@@ -5250,7 +5250,7 @@
           <a:p>
             <a:fld id="{2937786B-23F2-4DBF-B24A-99AEF4E177C1}" type="datetimeFigureOut">
               <a:rPr lang="en-US" smtClean="0"/>
-              <a:t>9/24/2017</a:t>
+              <a:t>3/2/2018</a:t>
             </a:fld>
             <a:endParaRPr lang="en-US"/>
           </a:p>
@@ -5487,7 +5487,7 @@
           <a:p>
             <a:fld id="{2937786B-23F2-4DBF-B24A-99AEF4E177C1}" type="datetimeFigureOut">
               <a:rPr lang="en-US" smtClean="0"/>
-              <a:t>9/24/2017</a:t>
+              <a:t>3/2/2018</a:t>
             </a:fld>
             <a:endParaRPr lang="en-US"/>
           </a:p>
@@ -8594,14 +8594,7 @@
                 <a:latin typeface="Times New Roman" panose="02020603050405020304" pitchFamily="18" charset="0"/>
                 <a:cs typeface="Times New Roman" panose="02020603050405020304" pitchFamily="18" charset="0"/>
               </a:rPr>
-              <a:t>Allelic correlation </a:t>
-            </a:r>
-            <a:r>
-              <a:rPr lang="en-US" sz="3200" dirty="0" smtClean="0">
-                <a:latin typeface="Times New Roman" panose="02020603050405020304" pitchFamily="18" charset="0"/>
-                <a:cs typeface="Times New Roman" panose="02020603050405020304" pitchFamily="18" charset="0"/>
-              </a:rPr>
-              <a:t>(&gt;0.9)</a:t>
+              <a:t>Allelic correlation (&gt;0.9)</a:t>
             </a:r>
             <a:endParaRPr lang="en-US" sz="3200" dirty="0">
               <a:latin typeface="Times New Roman" panose="02020603050405020304" pitchFamily="18" charset="0"/>
